--- a/docs/sec01.pptx
+++ b/docs/sec01.pptx
@@ -9,8 +9,9 @@
     <p:sldId id="276" r:id="rId3"/>
     <p:sldId id="277" r:id="rId4"/>
     <p:sldId id="278" r:id="rId5"/>
-    <p:sldId id="284" r:id="rId6"/>
-    <p:sldId id="283" r:id="rId7"/>
+    <p:sldId id="285" r:id="rId6"/>
+    <p:sldId id="284" r:id="rId7"/>
+    <p:sldId id="283" r:id="rId8"/>
   </p:sldIdLst>
   <p:sldSz cx="12192000" cy="6858000"/>
   <p:notesSz cx="6858000" cy="9144000"/>
@@ -264,7 +265,7 @@
           <a:p>
             <a:fld id="{2F5F644D-ECA5-464D-AEAC-EEF40AA9168C}" type="datetimeFigureOut">
               <a:rPr lang="zh-CN" altLang="en-US" smtClean="0"/>
-              <a:t>2021/9/4</a:t>
+              <a:t>2021/9/5</a:t>
             </a:fld>
             <a:endParaRPr lang="zh-CN" altLang="en-US"/>
           </a:p>
@@ -492,7 +493,7 @@
           <a:p>
             <a:fld id="{2F5F644D-ECA5-464D-AEAC-EEF40AA9168C}" type="datetimeFigureOut">
               <a:rPr lang="zh-CN" altLang="en-US" smtClean="0"/>
-              <a:t>2021/9/4</a:t>
+              <a:t>2021/9/5</a:t>
             </a:fld>
             <a:endParaRPr lang="zh-CN" altLang="en-US"/>
           </a:p>
@@ -700,7 +701,7 @@
           <a:p>
             <a:fld id="{2F5F644D-ECA5-464D-AEAC-EEF40AA9168C}" type="datetimeFigureOut">
               <a:rPr lang="zh-CN" altLang="en-US" smtClean="0"/>
-              <a:t>2021/9/4</a:t>
+              <a:t>2021/9/5</a:t>
             </a:fld>
             <a:endParaRPr lang="zh-CN" altLang="en-US"/>
           </a:p>
@@ -898,7 +899,7 @@
           <a:p>
             <a:fld id="{2F5F644D-ECA5-464D-AEAC-EEF40AA9168C}" type="datetimeFigureOut">
               <a:rPr lang="zh-CN" altLang="en-US" smtClean="0"/>
-              <a:t>2021/9/4</a:t>
+              <a:t>2021/9/5</a:t>
             </a:fld>
             <a:endParaRPr lang="zh-CN" altLang="en-US"/>
           </a:p>
@@ -1203,7 +1204,7 @@
           <a:p>
             <a:fld id="{2F5F644D-ECA5-464D-AEAC-EEF40AA9168C}" type="datetimeFigureOut">
               <a:rPr lang="zh-CN" altLang="en-US" smtClean="0"/>
-              <a:t>2021/9/4</a:t>
+              <a:t>2021/9/5</a:t>
             </a:fld>
             <a:endParaRPr lang="zh-CN" altLang="en-US"/>
           </a:p>
@@ -1468,7 +1469,7 @@
           <a:p>
             <a:fld id="{2F5F644D-ECA5-464D-AEAC-EEF40AA9168C}" type="datetimeFigureOut">
               <a:rPr lang="zh-CN" altLang="en-US" smtClean="0"/>
-              <a:t>2021/9/4</a:t>
+              <a:t>2021/9/5</a:t>
             </a:fld>
             <a:endParaRPr lang="zh-CN" altLang="en-US"/>
           </a:p>
@@ -1880,7 +1881,7 @@
           <a:p>
             <a:fld id="{2F5F644D-ECA5-464D-AEAC-EEF40AA9168C}" type="datetimeFigureOut">
               <a:rPr lang="zh-CN" altLang="en-US" smtClean="0"/>
-              <a:t>2021/9/4</a:t>
+              <a:t>2021/9/5</a:t>
             </a:fld>
             <a:endParaRPr lang="zh-CN" altLang="en-US"/>
           </a:p>
@@ -2021,7 +2022,7 @@
           <a:p>
             <a:fld id="{2F5F644D-ECA5-464D-AEAC-EEF40AA9168C}" type="datetimeFigureOut">
               <a:rPr lang="zh-CN" altLang="en-US" smtClean="0"/>
-              <a:t>2021/9/4</a:t>
+              <a:t>2021/9/5</a:t>
             </a:fld>
             <a:endParaRPr lang="zh-CN" altLang="en-US"/>
           </a:p>
@@ -2134,7 +2135,7 @@
           <a:p>
             <a:fld id="{2F5F644D-ECA5-464D-AEAC-EEF40AA9168C}" type="datetimeFigureOut">
               <a:rPr lang="zh-CN" altLang="en-US" smtClean="0"/>
-              <a:t>2021/9/4</a:t>
+              <a:t>2021/9/5</a:t>
             </a:fld>
             <a:endParaRPr lang="zh-CN" altLang="en-US"/>
           </a:p>
@@ -2445,7 +2446,7 @@
           <a:p>
             <a:fld id="{2F5F644D-ECA5-464D-AEAC-EEF40AA9168C}" type="datetimeFigureOut">
               <a:rPr lang="zh-CN" altLang="en-US" smtClean="0"/>
-              <a:t>2021/9/4</a:t>
+              <a:t>2021/9/5</a:t>
             </a:fld>
             <a:endParaRPr lang="zh-CN" altLang="en-US"/>
           </a:p>
@@ -2733,7 +2734,7 @@
           <a:p>
             <a:fld id="{2F5F644D-ECA5-464D-AEAC-EEF40AA9168C}" type="datetimeFigureOut">
               <a:rPr lang="zh-CN" altLang="en-US" smtClean="0"/>
-              <a:t>2021/9/4</a:t>
+              <a:t>2021/9/5</a:t>
             </a:fld>
             <a:endParaRPr lang="zh-CN" altLang="en-US"/>
           </a:p>
@@ -2974,7 +2975,7 @@
           <a:p>
             <a:fld id="{2F5F644D-ECA5-464D-AEAC-EEF40AA9168C}" type="datetimeFigureOut">
               <a:rPr lang="zh-CN" altLang="en-US" smtClean="0"/>
-              <a:t>2021/9/4</a:t>
+              <a:t>2021/9/5</a:t>
             </a:fld>
             <a:endParaRPr lang="zh-CN" altLang="en-US"/>
           </a:p>
@@ -4446,7 +4447,7 @@
         <p:spPr/>
         <p:txBody>
           <a:bodyPr>
-            <a:normAutofit fontScale="62500" lnSpcReduction="20000"/>
+            <a:normAutofit fontScale="55000" lnSpcReduction="20000"/>
           </a:bodyPr>
           <a:lstStyle/>
           <a:p>
@@ -4533,33 +4534,15 @@
             </a:endParaRPr>
           </a:p>
           <a:p>
-            <a:r>
-              <a:rPr lang="en-US" altLang="zh-CN" dirty="0" err="1">
-                <a:latin typeface="阿里巴巴普惠体" panose="00020600040101010101" pitchFamily="18" charset="-122"/>
-                <a:ea typeface="阿里巴巴普惠体" panose="00020600040101010101" pitchFamily="18" charset="-122"/>
-                <a:cs typeface="阿里巴巴普惠体" panose="00020600040101010101" pitchFamily="18" charset="-122"/>
-              </a:rPr>
-              <a:t>GraphQL</a:t>
-            </a:r>
+            <a:pPr lvl="1"/>
             <a:r>
               <a:rPr lang="en-US" altLang="zh-CN" dirty="0">
                 <a:latin typeface="阿里巴巴普惠体" panose="00020600040101010101" pitchFamily="18" charset="-122"/>
                 <a:ea typeface="阿里巴巴普惠体" panose="00020600040101010101" pitchFamily="18" charset="-122"/>
                 <a:cs typeface="阿里巴巴普惠体" panose="00020600040101010101" pitchFamily="18" charset="-122"/>
-              </a:rPr>
-              <a:t> Java</a:t>
-            </a:r>
-          </a:p>
-          <a:p>
-            <a:pPr lvl="1"/>
-            <a:r>
-              <a:rPr lang="en-US" altLang="zh-CN" dirty="0">
-                <a:latin typeface="阿里巴巴普惠体" panose="00020600040101010101" pitchFamily="18" charset="-122"/>
-                <a:ea typeface="阿里巴巴普惠体" panose="00020600040101010101" pitchFamily="18" charset="-122"/>
-                <a:cs typeface="阿里巴巴普惠体" panose="00020600040101010101" pitchFamily="18" charset="-122"/>
                 <a:hlinkClick r:id="rId4"/>
               </a:rPr>
-              <a:t>https://github.com/graphql-java/graphql-java</a:t>
+              <a:t>https://github.com/graphql-java-kickstart/graphql-spring-boot/tree/v11.1.0</a:t>
             </a:r>
             <a:endParaRPr lang="en-US" altLang="zh-CN" dirty="0">
               <a:latin typeface="阿里巴巴普惠体" panose="00020600040101010101" pitchFamily="18" charset="-122"/>
@@ -4574,7 +4557,27 @@
                 <a:ea typeface="阿里巴巴普惠体" panose="00020600040101010101" pitchFamily="18" charset="-122"/>
                 <a:cs typeface="阿里巴巴普惠体" panose="00020600040101010101" pitchFamily="18" charset="-122"/>
               </a:rPr>
-              <a:t>Intellij</a:t>
+              <a:t>GraphQL</a:t>
+            </a:r>
+            <a:r>
+              <a:rPr lang="en-US" altLang="zh-CN" dirty="0">
+                <a:latin typeface="阿里巴巴普惠体" panose="00020600040101010101" pitchFamily="18" charset="-122"/>
+                <a:ea typeface="阿里巴巴普惠体" panose="00020600040101010101" pitchFamily="18" charset="-122"/>
+                <a:cs typeface="阿里巴巴普惠体" panose="00020600040101010101" pitchFamily="18" charset="-122"/>
+              </a:rPr>
+              <a:t> Java</a:t>
+            </a:r>
+          </a:p>
+          <a:p>
+            <a:pPr lvl="1"/>
+            <a:r>
+              <a:rPr lang="en-US" altLang="zh-CN" dirty="0">
+                <a:latin typeface="阿里巴巴普惠体" panose="00020600040101010101" pitchFamily="18" charset="-122"/>
+                <a:ea typeface="阿里巴巴普惠体" panose="00020600040101010101" pitchFamily="18" charset="-122"/>
+                <a:cs typeface="阿里巴巴普惠体" panose="00020600040101010101" pitchFamily="18" charset="-122"/>
+                <a:hlinkClick r:id="rId5"/>
+              </a:rPr>
+              <a:t>https://github.com/graphql-java/graphql-java</a:t>
             </a:r>
             <a:endParaRPr lang="en-US" altLang="zh-CN" dirty="0">
               <a:latin typeface="阿里巴巴普惠体" panose="00020600040101010101" pitchFamily="18" charset="-122"/>
@@ -4583,13 +4586,31 @@
             </a:endParaRPr>
           </a:p>
           <a:p>
+            <a:r>
+              <a:rPr lang="en-US" altLang="zh-CN" dirty="0" err="1">
+                <a:latin typeface="阿里巴巴普惠体" panose="00020600040101010101" pitchFamily="18" charset="-122"/>
+                <a:ea typeface="阿里巴巴普惠体" panose="00020600040101010101" pitchFamily="18" charset="-122"/>
+                <a:cs typeface="阿里巴巴普惠体" panose="00020600040101010101" pitchFamily="18" charset="-122"/>
+              </a:rPr>
+              <a:t>Intellij</a:t>
+            </a:r>
+            <a:r>
+              <a:rPr lang="en-US" altLang="zh-CN" dirty="0">
+                <a:latin typeface="阿里巴巴普惠体" panose="00020600040101010101" pitchFamily="18" charset="-122"/>
+                <a:ea typeface="阿里巴巴普惠体" panose="00020600040101010101" pitchFamily="18" charset="-122"/>
+                <a:cs typeface="阿里巴巴普惠体" panose="00020600040101010101" pitchFamily="18" charset="-122"/>
+              </a:rPr>
+              <a:t> IDEA</a:t>
+            </a:r>
+          </a:p>
+          <a:p>
             <a:pPr lvl="1"/>
             <a:r>
               <a:rPr lang="en-US" altLang="zh-CN" dirty="0">
                 <a:latin typeface="阿里巴巴普惠体" panose="00020600040101010101" pitchFamily="18" charset="-122"/>
                 <a:ea typeface="阿里巴巴普惠体" panose="00020600040101010101" pitchFamily="18" charset="-122"/>
                 <a:cs typeface="阿里巴巴普惠体" panose="00020600040101010101" pitchFamily="18" charset="-122"/>
-                <a:hlinkClick r:id="rId5"/>
+                <a:hlinkClick r:id="rId6"/>
               </a:rPr>
               <a:t>https://www.jetbrains.com/idea/</a:t>
             </a:r>
@@ -4629,7 +4650,7 @@
                 <a:latin typeface="阿里巴巴普惠体" panose="00020600040101010101" pitchFamily="18" charset="-122"/>
                 <a:ea typeface="阿里巴巴普惠体" panose="00020600040101010101" pitchFamily="18" charset="-122"/>
                 <a:cs typeface="阿里巴巴普惠体" panose="00020600040101010101" pitchFamily="18" charset="-122"/>
-                <a:hlinkClick r:id="rId6"/>
+                <a:hlinkClick r:id="rId7"/>
               </a:rPr>
               <a:t>https://github.com/pmd/pmd</a:t>
             </a:r>
@@ -4661,7 +4682,7 @@
                 <a:latin typeface="阿里巴巴普惠体" panose="00020600040101010101" pitchFamily="18" charset="-122"/>
                 <a:ea typeface="阿里巴巴普惠体" panose="00020600040101010101" pitchFamily="18" charset="-122"/>
                 <a:cs typeface="阿里巴巴普惠体" panose="00020600040101010101" pitchFamily="18" charset="-122"/>
-                <a:hlinkClick r:id="rId7"/>
+                <a:hlinkClick r:id="rId8"/>
               </a:rPr>
               <a:t>https://spring.io/projects/spring-boot</a:t>
             </a:r>
@@ -4688,7 +4709,7 @@
                 <a:latin typeface="阿里巴巴普惠体" panose="00020600040101010101" pitchFamily="18" charset="-122"/>
                 <a:ea typeface="阿里巴巴普惠体" panose="00020600040101010101" pitchFamily="18" charset="-122"/>
                 <a:cs typeface="阿里巴巴普惠体" panose="00020600040101010101" pitchFamily="18" charset="-122"/>
-                <a:hlinkClick r:id="rId8"/>
+                <a:hlinkClick r:id="rId9"/>
               </a:rPr>
               <a:t>https://www.oracle.com/java/technologies/javase/jdk12-archive-downloads.html</a:t>
             </a:r>
@@ -4715,7 +4736,7 @@
                 <a:latin typeface="阿里巴巴普惠体" panose="00020600040101010101" pitchFamily="18" charset="-122"/>
                 <a:ea typeface="阿里巴巴普惠体" panose="00020600040101010101" pitchFamily="18" charset="-122"/>
                 <a:cs typeface="阿里巴巴普惠体" panose="00020600040101010101" pitchFamily="18" charset="-122"/>
-                <a:hlinkClick r:id="rId9"/>
+                <a:hlinkClick r:id="rId10"/>
               </a:rPr>
               <a:t>https://projectlombok.org/</a:t>
             </a:r>
@@ -4784,6 +4805,662 @@
                 <a:ea typeface="阿里巴巴普惠体 Medium" panose="00020600040101010101" pitchFamily="18" charset="-122"/>
                 <a:cs typeface="阿里巴巴普惠体 Medium" panose="00020600040101010101" pitchFamily="18" charset="-122"/>
               </a:rPr>
+              <a:t>依赖关系</a:t>
+            </a:r>
+          </a:p>
+        </p:txBody>
+      </p:sp>
+      <p:sp>
+        <p:nvSpPr>
+          <p:cNvPr id="6" name="矩形 5">
+            <a:extLst>
+              <a:ext uri="{FF2B5EF4-FFF2-40B4-BE49-F238E27FC236}">
+                <a16:creationId xmlns:a16="http://schemas.microsoft.com/office/drawing/2014/main" id="{57EDBA4E-3F88-4847-81AE-5789DA6A5349}"/>
+              </a:ext>
+            </a:extLst>
+          </p:cNvPr>
+          <p:cNvSpPr/>
+          <p:nvPr/>
+        </p:nvSpPr>
+        <p:spPr>
+          <a:xfrm>
+            <a:off x="4207177" y="3693776"/>
+            <a:ext cx="2036523" cy="557409"/>
+          </a:xfrm>
+          <a:prstGeom prst="rect">
+            <a:avLst/>
+          </a:prstGeom>
+        </p:spPr>
+        <p:style>
+          <a:lnRef idx="2">
+            <a:schemeClr val="accent1"/>
+          </a:lnRef>
+          <a:fillRef idx="1">
+            <a:schemeClr val="lt1"/>
+          </a:fillRef>
+          <a:effectRef idx="0">
+            <a:schemeClr val="accent1"/>
+          </a:effectRef>
+          <a:fontRef idx="minor">
+            <a:schemeClr val="dk1"/>
+          </a:fontRef>
+        </p:style>
+        <p:txBody>
+          <a:bodyPr rtlCol="0" anchor="ctr"/>
+          <a:lstStyle/>
+          <a:p>
+            <a:pPr algn="ctr"/>
+            <a:r>
+              <a:rPr lang="en-US" altLang="zh-CN" dirty="0" err="1">
+                <a:latin typeface="阿里巴巴普惠体" panose="00020600040101010101" pitchFamily="18" charset="-122"/>
+                <a:ea typeface="阿里巴巴普惠体" panose="00020600040101010101" pitchFamily="18" charset="-122"/>
+                <a:cs typeface="阿里巴巴普惠体" panose="00020600040101010101" pitchFamily="18" charset="-122"/>
+              </a:rPr>
+              <a:t>graphql</a:t>
+            </a:r>
+            <a:r>
+              <a:rPr lang="en-US" altLang="zh-CN" dirty="0">
+                <a:latin typeface="阿里巴巴普惠体" panose="00020600040101010101" pitchFamily="18" charset="-122"/>
+                <a:ea typeface="阿里巴巴普惠体" panose="00020600040101010101" pitchFamily="18" charset="-122"/>
+                <a:cs typeface="阿里巴巴普惠体" panose="00020600040101010101" pitchFamily="18" charset="-122"/>
+              </a:rPr>
+              <a:t>-java</a:t>
+            </a:r>
+            <a:endParaRPr lang="zh-CN" altLang="en-US" dirty="0">
+              <a:latin typeface="阿里巴巴普惠体" panose="00020600040101010101" pitchFamily="18" charset="-122"/>
+              <a:ea typeface="阿里巴巴普惠体" panose="00020600040101010101" pitchFamily="18" charset="-122"/>
+              <a:cs typeface="阿里巴巴普惠体" panose="00020600040101010101" pitchFamily="18" charset="-122"/>
+            </a:endParaRPr>
+          </a:p>
+        </p:txBody>
+      </p:sp>
+      <p:sp>
+        <p:nvSpPr>
+          <p:cNvPr id="8" name="矩形 7">
+            <a:extLst>
+              <a:ext uri="{FF2B5EF4-FFF2-40B4-BE49-F238E27FC236}">
+                <a16:creationId xmlns:a16="http://schemas.microsoft.com/office/drawing/2014/main" id="{87BC66E4-591E-4699-94BD-2D2A6D1BCF0F}"/>
+              </a:ext>
+            </a:extLst>
+          </p:cNvPr>
+          <p:cNvSpPr/>
+          <p:nvPr/>
+        </p:nvSpPr>
+        <p:spPr>
+          <a:xfrm>
+            <a:off x="4207177" y="2079322"/>
+            <a:ext cx="2036523" cy="801666"/>
+          </a:xfrm>
+          <a:prstGeom prst="rect">
+            <a:avLst/>
+          </a:prstGeom>
+        </p:spPr>
+        <p:style>
+          <a:lnRef idx="2">
+            <a:schemeClr val="accent1"/>
+          </a:lnRef>
+          <a:fillRef idx="1">
+            <a:schemeClr val="lt1"/>
+          </a:fillRef>
+          <a:effectRef idx="0">
+            <a:schemeClr val="accent1"/>
+          </a:effectRef>
+          <a:fontRef idx="minor">
+            <a:schemeClr val="dk1"/>
+          </a:fontRef>
+        </p:style>
+        <p:txBody>
+          <a:bodyPr rtlCol="0" anchor="ctr"/>
+          <a:lstStyle/>
+          <a:p>
+            <a:pPr algn="ctr"/>
+            <a:r>
+              <a:rPr lang="en-US" altLang="zh-CN" dirty="0" err="1">
+                <a:latin typeface="阿里巴巴普惠体" panose="00020600040101010101" pitchFamily="18" charset="-122"/>
+                <a:ea typeface="阿里巴巴普惠体" panose="00020600040101010101" pitchFamily="18" charset="-122"/>
+                <a:cs typeface="阿里巴巴普惠体" panose="00020600040101010101" pitchFamily="18" charset="-122"/>
+              </a:rPr>
+              <a:t>graphql</a:t>
+            </a:r>
+            <a:r>
+              <a:rPr lang="en-US" altLang="zh-CN" dirty="0">
+                <a:latin typeface="阿里巴巴普惠体" panose="00020600040101010101" pitchFamily="18" charset="-122"/>
+                <a:ea typeface="阿里巴巴普惠体" panose="00020600040101010101" pitchFamily="18" charset="-122"/>
+                <a:cs typeface="阿里巴巴普惠体" panose="00020600040101010101" pitchFamily="18" charset="-122"/>
+              </a:rPr>
+              <a:t>-java-kickstart</a:t>
+            </a:r>
+            <a:endParaRPr lang="zh-CN" altLang="en-US" dirty="0">
+              <a:latin typeface="阿里巴巴普惠体" panose="00020600040101010101" pitchFamily="18" charset="-122"/>
+              <a:ea typeface="阿里巴巴普惠体" panose="00020600040101010101" pitchFamily="18" charset="-122"/>
+              <a:cs typeface="阿里巴巴普惠体" panose="00020600040101010101" pitchFamily="18" charset="-122"/>
+            </a:endParaRPr>
+          </a:p>
+        </p:txBody>
+      </p:sp>
+      <p:sp>
+        <p:nvSpPr>
+          <p:cNvPr id="9" name="矩形 8">
+            <a:extLst>
+              <a:ext uri="{FF2B5EF4-FFF2-40B4-BE49-F238E27FC236}">
+                <a16:creationId xmlns:a16="http://schemas.microsoft.com/office/drawing/2014/main" id="{0ADB3786-9489-4B60-96A0-E7505F7B66F3}"/>
+              </a:ext>
+            </a:extLst>
+          </p:cNvPr>
+          <p:cNvSpPr/>
+          <p:nvPr/>
+        </p:nvSpPr>
+        <p:spPr>
+          <a:xfrm>
+            <a:off x="4207178" y="5063973"/>
+            <a:ext cx="2036523" cy="557409"/>
+          </a:xfrm>
+          <a:prstGeom prst="rect">
+            <a:avLst/>
+          </a:prstGeom>
+        </p:spPr>
+        <p:style>
+          <a:lnRef idx="2">
+            <a:schemeClr val="accent1"/>
+          </a:lnRef>
+          <a:fillRef idx="1">
+            <a:schemeClr val="lt1"/>
+          </a:fillRef>
+          <a:effectRef idx="0">
+            <a:schemeClr val="accent1"/>
+          </a:effectRef>
+          <a:fontRef idx="minor">
+            <a:schemeClr val="dk1"/>
+          </a:fontRef>
+        </p:style>
+        <p:txBody>
+          <a:bodyPr rtlCol="0" anchor="ctr"/>
+          <a:lstStyle/>
+          <a:p>
+            <a:pPr algn="ctr"/>
+            <a:r>
+              <a:rPr lang="en-US" altLang="zh-CN" dirty="0" err="1">
+                <a:latin typeface="阿里巴巴普惠体" panose="00020600040101010101" pitchFamily="18" charset="-122"/>
+                <a:ea typeface="阿里巴巴普惠体" panose="00020600040101010101" pitchFamily="18" charset="-122"/>
+                <a:cs typeface="阿里巴巴普惠体" panose="00020600040101010101" pitchFamily="18" charset="-122"/>
+              </a:rPr>
+              <a:t>graphql</a:t>
+            </a:r>
+            <a:r>
+              <a:rPr lang="en-US" altLang="zh-CN" dirty="0">
+                <a:latin typeface="阿里巴巴普惠体" panose="00020600040101010101" pitchFamily="18" charset="-122"/>
+                <a:ea typeface="阿里巴巴普惠体" panose="00020600040101010101" pitchFamily="18" charset="-122"/>
+                <a:cs typeface="阿里巴巴普惠体" panose="00020600040101010101" pitchFamily="18" charset="-122"/>
+              </a:rPr>
+              <a:t> spec</a:t>
+            </a:r>
+            <a:endParaRPr lang="zh-CN" altLang="en-US" dirty="0">
+              <a:latin typeface="阿里巴巴普惠体" panose="00020600040101010101" pitchFamily="18" charset="-122"/>
+              <a:ea typeface="阿里巴巴普惠体" panose="00020600040101010101" pitchFamily="18" charset="-122"/>
+              <a:cs typeface="阿里巴巴普惠体" panose="00020600040101010101" pitchFamily="18" charset="-122"/>
+            </a:endParaRPr>
+          </a:p>
+        </p:txBody>
+      </p:sp>
+      <p:sp>
+        <p:nvSpPr>
+          <p:cNvPr id="10" name="矩形 9">
+            <a:extLst>
+              <a:ext uri="{FF2B5EF4-FFF2-40B4-BE49-F238E27FC236}">
+                <a16:creationId xmlns:a16="http://schemas.microsoft.com/office/drawing/2014/main" id="{B1DB8C68-18FD-42EC-9A4A-F41507047F52}"/>
+              </a:ext>
+            </a:extLst>
+          </p:cNvPr>
+          <p:cNvSpPr/>
+          <p:nvPr/>
+        </p:nvSpPr>
+        <p:spPr>
+          <a:xfrm>
+            <a:off x="7363736" y="2079322"/>
+            <a:ext cx="2036523" cy="801666"/>
+          </a:xfrm>
+          <a:prstGeom prst="rect">
+            <a:avLst/>
+          </a:prstGeom>
+        </p:spPr>
+        <p:style>
+          <a:lnRef idx="2">
+            <a:schemeClr val="accent1"/>
+          </a:lnRef>
+          <a:fillRef idx="1">
+            <a:schemeClr val="lt1"/>
+          </a:fillRef>
+          <a:effectRef idx="0">
+            <a:schemeClr val="accent1"/>
+          </a:effectRef>
+          <a:fontRef idx="minor">
+            <a:schemeClr val="dk1"/>
+          </a:fontRef>
+        </p:style>
+        <p:txBody>
+          <a:bodyPr rtlCol="0" anchor="ctr"/>
+          <a:lstStyle/>
+          <a:p>
+            <a:pPr algn="ctr"/>
+            <a:r>
+              <a:rPr lang="en-US" altLang="zh-CN" dirty="0" err="1">
+                <a:latin typeface="阿里巴巴普惠体" panose="00020600040101010101" pitchFamily="18" charset="-122"/>
+                <a:ea typeface="阿里巴巴普惠体" panose="00020600040101010101" pitchFamily="18" charset="-122"/>
+                <a:cs typeface="阿里巴巴普惠体" panose="00020600040101010101" pitchFamily="18" charset="-122"/>
+              </a:rPr>
+              <a:t>graphql</a:t>
+            </a:r>
+            <a:r>
+              <a:rPr lang="en-US" altLang="zh-CN" dirty="0">
+                <a:latin typeface="阿里巴巴普惠体" panose="00020600040101010101" pitchFamily="18" charset="-122"/>
+                <a:ea typeface="阿里巴巴普惠体" panose="00020600040101010101" pitchFamily="18" charset="-122"/>
+                <a:cs typeface="阿里巴巴普惠体" panose="00020600040101010101" pitchFamily="18" charset="-122"/>
+              </a:rPr>
+              <a:t>-spring-boot</a:t>
+            </a:r>
+            <a:endParaRPr lang="zh-CN" altLang="en-US" dirty="0">
+              <a:latin typeface="阿里巴巴普惠体" panose="00020600040101010101" pitchFamily="18" charset="-122"/>
+              <a:ea typeface="阿里巴巴普惠体" panose="00020600040101010101" pitchFamily="18" charset="-122"/>
+              <a:cs typeface="阿里巴巴普惠体" panose="00020600040101010101" pitchFamily="18" charset="-122"/>
+            </a:endParaRPr>
+          </a:p>
+        </p:txBody>
+      </p:sp>
+      <p:sp>
+        <p:nvSpPr>
+          <p:cNvPr id="12" name="箭头: 右 11">
+            <a:extLst>
+              <a:ext uri="{FF2B5EF4-FFF2-40B4-BE49-F238E27FC236}">
+                <a16:creationId xmlns:a16="http://schemas.microsoft.com/office/drawing/2014/main" id="{617D7F55-9AEE-464D-BA9D-02784E2E3322}"/>
+              </a:ext>
+            </a:extLst>
+          </p:cNvPr>
+          <p:cNvSpPr/>
+          <p:nvPr/>
+        </p:nvSpPr>
+        <p:spPr>
+          <a:xfrm rot="5400000">
+            <a:off x="4946733" y="3190305"/>
+            <a:ext cx="557409" cy="194154"/>
+          </a:xfrm>
+          <a:prstGeom prst="rightArrow">
+            <a:avLst/>
+          </a:prstGeom>
+        </p:spPr>
+        <p:style>
+          <a:lnRef idx="2">
+            <a:schemeClr val="accent1">
+              <a:shade val="50000"/>
+            </a:schemeClr>
+          </a:lnRef>
+          <a:fillRef idx="1">
+            <a:schemeClr val="accent1"/>
+          </a:fillRef>
+          <a:effectRef idx="0">
+            <a:schemeClr val="accent1"/>
+          </a:effectRef>
+          <a:fontRef idx="minor">
+            <a:schemeClr val="lt1"/>
+          </a:fontRef>
+        </p:style>
+        <p:txBody>
+          <a:bodyPr rtlCol="0" anchor="ctr"/>
+          <a:lstStyle/>
+          <a:p>
+            <a:pPr algn="ctr"/>
+            <a:endParaRPr lang="zh-CN" altLang="en-US" dirty="0"/>
+          </a:p>
+        </p:txBody>
+      </p:sp>
+      <p:sp>
+        <p:nvSpPr>
+          <p:cNvPr id="13" name="箭头: 右 12">
+            <a:extLst>
+              <a:ext uri="{FF2B5EF4-FFF2-40B4-BE49-F238E27FC236}">
+                <a16:creationId xmlns:a16="http://schemas.microsoft.com/office/drawing/2014/main" id="{875A2BAD-B424-4E07-9181-F4D63FED655C}"/>
+              </a:ext>
+            </a:extLst>
+          </p:cNvPr>
+          <p:cNvSpPr/>
+          <p:nvPr/>
+        </p:nvSpPr>
+        <p:spPr>
+          <a:xfrm rot="5400000">
+            <a:off x="4946732" y="4630799"/>
+            <a:ext cx="557409" cy="194154"/>
+          </a:xfrm>
+          <a:prstGeom prst="rightArrow">
+            <a:avLst/>
+          </a:prstGeom>
+        </p:spPr>
+        <p:style>
+          <a:lnRef idx="2">
+            <a:schemeClr val="accent1">
+              <a:shade val="50000"/>
+            </a:schemeClr>
+          </a:lnRef>
+          <a:fillRef idx="1">
+            <a:schemeClr val="accent1"/>
+          </a:fillRef>
+          <a:effectRef idx="0">
+            <a:schemeClr val="accent1"/>
+          </a:effectRef>
+          <a:fontRef idx="minor">
+            <a:schemeClr val="lt1"/>
+          </a:fontRef>
+        </p:style>
+        <p:txBody>
+          <a:bodyPr rtlCol="0" anchor="ctr"/>
+          <a:lstStyle/>
+          <a:p>
+            <a:pPr algn="ctr"/>
+            <a:endParaRPr lang="zh-CN" altLang="en-US"/>
+          </a:p>
+        </p:txBody>
+      </p:sp>
+      <p:cxnSp>
+        <p:nvCxnSpPr>
+          <p:cNvPr id="15" name="直接箭头连接符 14">
+            <a:extLst>
+              <a:ext uri="{FF2B5EF4-FFF2-40B4-BE49-F238E27FC236}">
+                <a16:creationId xmlns:a16="http://schemas.microsoft.com/office/drawing/2014/main" id="{84D5ADF4-23F4-46A7-8ED2-C43BFB84E052}"/>
+              </a:ext>
+            </a:extLst>
+          </p:cNvPr>
+          <p:cNvCxnSpPr>
+            <a:stCxn id="8" idx="3"/>
+            <a:endCxn id="10" idx="1"/>
+          </p:cNvCxnSpPr>
+          <p:nvPr/>
+        </p:nvCxnSpPr>
+        <p:spPr>
+          <a:xfrm>
+            <a:off x="6243700" y="2480155"/>
+            <a:ext cx="1120036" cy="0"/>
+          </a:xfrm>
+          <a:prstGeom prst="straightConnector1">
+            <a:avLst/>
+          </a:prstGeom>
+          <a:ln w="12700">
+            <a:headEnd w="lg" len="lg"/>
+            <a:tailEnd type="triangle" w="lg" len="lg"/>
+          </a:ln>
+        </p:spPr>
+        <p:style>
+          <a:lnRef idx="1">
+            <a:schemeClr val="accent1"/>
+          </a:lnRef>
+          <a:fillRef idx="0">
+            <a:schemeClr val="accent1"/>
+          </a:fillRef>
+          <a:effectRef idx="0">
+            <a:schemeClr val="accent1"/>
+          </a:effectRef>
+          <a:fontRef idx="minor">
+            <a:schemeClr val="tx1"/>
+          </a:fontRef>
+        </p:style>
+      </p:cxnSp>
+      <p:pic>
+        <p:nvPicPr>
+          <p:cNvPr id="18" name="图片 17">
+            <a:extLst>
+              <a:ext uri="{FF2B5EF4-FFF2-40B4-BE49-F238E27FC236}">
+                <a16:creationId xmlns:a16="http://schemas.microsoft.com/office/drawing/2014/main" id="{AF9893FC-8FB0-4E60-8702-65B914734755}"/>
+              </a:ext>
+            </a:extLst>
+          </p:cNvPr>
+          <p:cNvPicPr>
+            <a:picLocks noChangeAspect="1"/>
+          </p:cNvPicPr>
+          <p:nvPr/>
+        </p:nvPicPr>
+        <p:blipFill>
+          <a:blip r:embed="rId2"/>
+          <a:stretch>
+            <a:fillRect/>
+          </a:stretch>
+        </p:blipFill>
+        <p:spPr>
+          <a:xfrm>
+            <a:off x="3484031" y="5006581"/>
+            <a:ext cx="615361" cy="615361"/>
+          </a:xfrm>
+          <a:prstGeom prst="rect">
+            <a:avLst/>
+          </a:prstGeom>
+        </p:spPr>
+      </p:pic>
+      <p:pic>
+        <p:nvPicPr>
+          <p:cNvPr id="20" name="图片 19">
+            <a:extLst>
+              <a:ext uri="{FF2B5EF4-FFF2-40B4-BE49-F238E27FC236}">
+                <a16:creationId xmlns:a16="http://schemas.microsoft.com/office/drawing/2014/main" id="{2801A74D-C479-4F0E-A5EA-4E9034D01142}"/>
+              </a:ext>
+            </a:extLst>
+          </p:cNvPr>
+          <p:cNvPicPr>
+            <a:picLocks noChangeAspect="1"/>
+          </p:cNvPicPr>
+          <p:nvPr/>
+        </p:nvPicPr>
+        <p:blipFill>
+          <a:blip r:embed="rId3"/>
+          <a:stretch>
+            <a:fillRect/>
+          </a:stretch>
+        </p:blipFill>
+        <p:spPr>
+          <a:xfrm>
+            <a:off x="3417805" y="3543500"/>
+            <a:ext cx="789372" cy="800569"/>
+          </a:xfrm>
+          <a:prstGeom prst="rect">
+            <a:avLst/>
+          </a:prstGeom>
+        </p:spPr>
+      </p:pic>
+      <p:pic>
+        <p:nvPicPr>
+          <p:cNvPr id="21" name="图片 20">
+            <a:extLst>
+              <a:ext uri="{FF2B5EF4-FFF2-40B4-BE49-F238E27FC236}">
+                <a16:creationId xmlns:a16="http://schemas.microsoft.com/office/drawing/2014/main" id="{BF219938-453A-496D-BC4B-57872C2511F2}"/>
+              </a:ext>
+            </a:extLst>
+          </p:cNvPr>
+          <p:cNvPicPr>
+            <a:picLocks noChangeAspect="1"/>
+          </p:cNvPicPr>
+          <p:nvPr/>
+        </p:nvPicPr>
+        <p:blipFill>
+          <a:blip r:embed="rId4"/>
+          <a:stretch>
+            <a:fillRect/>
+          </a:stretch>
+        </p:blipFill>
+        <p:spPr>
+          <a:xfrm>
+            <a:off x="3450918" y="2091616"/>
+            <a:ext cx="789372" cy="789372"/>
+          </a:xfrm>
+          <a:prstGeom prst="rect">
+            <a:avLst/>
+          </a:prstGeom>
+        </p:spPr>
+      </p:pic>
+      <p:pic>
+        <p:nvPicPr>
+          <p:cNvPr id="22" name="图片 21">
+            <a:extLst>
+              <a:ext uri="{FF2B5EF4-FFF2-40B4-BE49-F238E27FC236}">
+                <a16:creationId xmlns:a16="http://schemas.microsoft.com/office/drawing/2014/main" id="{E8C8C934-9032-4E96-9CF8-BA43288ED135}"/>
+              </a:ext>
+            </a:extLst>
+          </p:cNvPr>
+          <p:cNvPicPr>
+            <a:picLocks noChangeAspect="1"/>
+          </p:cNvPicPr>
+          <p:nvPr/>
+        </p:nvPicPr>
+        <p:blipFill>
+          <a:blip r:embed="rId4"/>
+          <a:stretch>
+            <a:fillRect/>
+          </a:stretch>
+        </p:blipFill>
+        <p:spPr>
+          <a:xfrm>
+            <a:off x="7363736" y="1095681"/>
+            <a:ext cx="789372" cy="789372"/>
+          </a:xfrm>
+          <a:prstGeom prst="rect">
+            <a:avLst/>
+          </a:prstGeom>
+        </p:spPr>
+      </p:pic>
+      <p:pic>
+        <p:nvPicPr>
+          <p:cNvPr id="1030" name="Picture 6" descr="Spring Boot (@springboot) | Twitter">
+            <a:extLst>
+              <a:ext uri="{FF2B5EF4-FFF2-40B4-BE49-F238E27FC236}">
+                <a16:creationId xmlns:a16="http://schemas.microsoft.com/office/drawing/2014/main" id="{D6946A50-0505-43B4-A9C4-AFB9CF78B198}"/>
+              </a:ext>
+            </a:extLst>
+          </p:cNvPr>
+          <p:cNvPicPr>
+            <a:picLocks noChangeAspect="1" noChangeArrowheads="1"/>
+          </p:cNvPicPr>
+          <p:nvPr/>
+        </p:nvPicPr>
+        <p:blipFill>
+          <a:blip r:embed="rId5">
+            <a:extLst>
+              <a:ext uri="{28A0092B-C50C-407E-A947-70E740481C1C}">
+                <a14:useLocalDpi xmlns:a14="http://schemas.microsoft.com/office/drawing/2010/main" val="0"/>
+              </a:ext>
+            </a:extLst>
+          </a:blip>
+          <a:srcRect/>
+          <a:stretch>
+            <a:fillRect/>
+          </a:stretch>
+        </p:blipFill>
+        <p:spPr bwMode="auto">
+          <a:xfrm>
+            <a:off x="8479019" y="1036176"/>
+            <a:ext cx="921240" cy="921240"/>
+          </a:xfrm>
+          <a:prstGeom prst="rect">
+            <a:avLst/>
+          </a:prstGeom>
+          <a:noFill/>
+          <a:extLst>
+            <a:ext uri="{909E8E84-426E-40DD-AFC4-6F175D3DCCD1}">
+              <a14:hiddenFill xmlns:a14="http://schemas.microsoft.com/office/drawing/2010/main">
+                <a:solidFill>
+                  <a:srgbClr val="FFFFFF"/>
+                </a:solidFill>
+              </a14:hiddenFill>
+            </a:ext>
+          </a:extLst>
+        </p:spPr>
+      </p:pic>
+      <p:sp>
+        <p:nvSpPr>
+          <p:cNvPr id="23" name="文本框 22">
+            <a:extLst>
+              <a:ext uri="{FF2B5EF4-FFF2-40B4-BE49-F238E27FC236}">
+                <a16:creationId xmlns:a16="http://schemas.microsoft.com/office/drawing/2014/main" id="{AC61D95F-5689-4F14-AD80-A21561C4ED9F}"/>
+              </a:ext>
+            </a:extLst>
+          </p:cNvPr>
+          <p:cNvSpPr txBox="1"/>
+          <p:nvPr/>
+        </p:nvSpPr>
+        <p:spPr>
+          <a:xfrm>
+            <a:off x="8165189" y="1235186"/>
+            <a:ext cx="433615" cy="523220"/>
+          </a:xfrm>
+          <a:prstGeom prst="rect">
+            <a:avLst/>
+          </a:prstGeom>
+          <a:noFill/>
+        </p:spPr>
+        <p:txBody>
+          <a:bodyPr wrap="square" rtlCol="0">
+            <a:spAutoFit/>
+          </a:bodyPr>
+          <a:lstStyle/>
+          <a:p>
+            <a:r>
+              <a:rPr lang="en-US" altLang="zh-CN" sz="2800" b="1" dirty="0"/>
+              <a:t>+</a:t>
+            </a:r>
+            <a:endParaRPr lang="zh-CN" altLang="en-US" sz="2800" b="1" dirty="0"/>
+          </a:p>
+        </p:txBody>
+      </p:sp>
+    </p:spTree>
+    <p:extLst>
+      <p:ext uri="{BB962C8B-B14F-4D97-AF65-F5344CB8AC3E}">
+        <p14:creationId xmlns:p14="http://schemas.microsoft.com/office/powerpoint/2010/main" val="1642195921"/>
+      </p:ext>
+    </p:extLst>
+  </p:cSld>
+  <p:clrMapOvr>
+    <a:masterClrMapping/>
+  </p:clrMapOvr>
+</p:sld>
+</file>
+
+<file path=ppt/slides/slide6.xml><?xml version="1.0" encoding="utf-8"?>
+<p:sld xmlns:a="http://schemas.openxmlformats.org/drawingml/2006/main" xmlns:r="http://schemas.openxmlformats.org/officeDocument/2006/relationships" xmlns:p="http://schemas.openxmlformats.org/presentationml/2006/main">
+  <p:cSld>
+    <p:spTree>
+      <p:nvGrpSpPr>
+        <p:cNvPr id="1" name=""/>
+        <p:cNvGrpSpPr/>
+        <p:nvPr/>
+      </p:nvGrpSpPr>
+      <p:grpSpPr>
+        <a:xfrm>
+          <a:off x="0" y="0"/>
+          <a:ext cx="0" cy="0"/>
+          <a:chOff x="0" y="0"/>
+          <a:chExt cx="0" cy="0"/>
+        </a:xfrm>
+      </p:grpSpPr>
+      <p:sp>
+        <p:nvSpPr>
+          <p:cNvPr id="2" name="标题 1">
+            <a:extLst>
+              <a:ext uri="{FF2B5EF4-FFF2-40B4-BE49-F238E27FC236}">
+                <a16:creationId xmlns:a16="http://schemas.microsoft.com/office/drawing/2014/main" id="{00E5706B-E3BD-4E76-8876-3449EA6712AB}"/>
+              </a:ext>
+            </a:extLst>
+          </p:cNvPr>
+          <p:cNvSpPr>
+            <a:spLocks noGrp="1"/>
+          </p:cNvSpPr>
+          <p:nvPr>
+            <p:ph type="title"/>
+          </p:nvPr>
+        </p:nvSpPr>
+        <p:spPr/>
+        <p:txBody>
+          <a:bodyPr/>
+          <a:lstStyle/>
+          <a:p>
+            <a:r>
+              <a:rPr lang="zh-CN" altLang="en-US" dirty="0">
+                <a:latin typeface="阿里巴巴普惠体 Medium" panose="00020600040101010101" pitchFamily="18" charset="-122"/>
+                <a:ea typeface="阿里巴巴普惠体 Medium" panose="00020600040101010101" pitchFamily="18" charset="-122"/>
+                <a:cs typeface="阿里巴巴普惠体 Medium" panose="00020600040101010101" pitchFamily="18" charset="-122"/>
+              </a:rPr>
               <a:t>课程源码</a:t>
             </a:r>
           </a:p>
@@ -4876,22 +5553,22 @@
               </a:rPr>
               <a:t>起始代码</a:t>
             </a:r>
-            <a:r>
-              <a:rPr lang="en-US" altLang="zh-CN" dirty="0">
-                <a:latin typeface="阿里巴巴普惠体" panose="00020600040101010101" pitchFamily="18" charset="-122"/>
-                <a:ea typeface="阿里巴巴普惠体" panose="00020600040101010101" pitchFamily="18" charset="-122"/>
-                <a:cs typeface="阿里巴巴普惠体" panose="00020600040101010101" pitchFamily="18" charset="-122"/>
-              </a:rPr>
-              <a:t>(first commit)</a:t>
-            </a:r>
-          </a:p>
-          <a:p>
-            <a:pPr lvl="1"/>
             <a:endParaRPr lang="en-US" altLang="zh-CN" dirty="0">
               <a:latin typeface="阿里巴巴普惠体" panose="00020600040101010101" pitchFamily="18" charset="-122"/>
               <a:ea typeface="阿里巴巴普惠体" panose="00020600040101010101" pitchFamily="18" charset="-122"/>
               <a:cs typeface="阿里巴巴普惠体" panose="00020600040101010101" pitchFamily="18" charset="-122"/>
             </a:endParaRPr>
+          </a:p>
+          <a:p>
+            <a:pPr lvl="1"/>
+            <a:r>
+              <a:rPr lang="en-US" altLang="zh-CN" dirty="0">
+                <a:latin typeface="阿里巴巴普惠体" panose="00020600040101010101" pitchFamily="18" charset="-122"/>
+                <a:ea typeface="阿里巴巴普惠体" panose="00020600040101010101" pitchFamily="18" charset="-122"/>
+                <a:cs typeface="阿里巴巴普惠体" panose="00020600040101010101" pitchFamily="18" charset="-122"/>
+              </a:rPr>
+              <a:t>sec01 commit</a:t>
+            </a:r>
           </a:p>
           <a:p>
             <a:pPr lvl="1"/>
@@ -4916,7 +5593,7 @@
 </p:sld>
 </file>
 
-<file path=ppt/slides/slide6.xml><?xml version="1.0" encoding="utf-8"?>
+<file path=ppt/slides/slide7.xml><?xml version="1.0" encoding="utf-8"?>
 <p:sld xmlns:a="http://schemas.openxmlformats.org/drawingml/2006/main" xmlns:r="http://schemas.openxmlformats.org/officeDocument/2006/relationships" xmlns:p="http://schemas.openxmlformats.org/presentationml/2006/main">
   <p:cSld>
     <p:spTree>
